--- a/ONIP/onip_b3_traitement_1D/B3_1_BonnesPratiques.pptx
+++ b/ONIP/onip_b3_traitement_1D/B3_1_BonnesPratiques.pptx
@@ -295,7 +295,7 @@
           <a:p>
             <a:fld id="{02AC24A9-CCB6-4F8D-B8DB-C2F3692CFA5A}" type="datetimeFigureOut">
               <a:rPr lang="en-US" smtClean="0"/>
-              <a:t>11/29/2023</a:t>
+              <a:t>12/12/2023</a:t>
             </a:fld>
             <a:endParaRPr lang="en-US" dirty="0"/>
           </a:p>
@@ -665,7 +665,7 @@
           <a:p>
             <a:fld id="{02AC24A9-CCB6-4F8D-B8DB-C2F3692CFA5A}" type="datetimeFigureOut">
               <a:rPr lang="en-US" smtClean="0"/>
-              <a:t>11/29/2023</a:t>
+              <a:t>12/12/2023</a:t>
             </a:fld>
             <a:endParaRPr lang="en-US"/>
           </a:p>
@@ -874,7 +874,7 @@
           <a:p>
             <a:fld id="{02AC24A9-CCB6-4F8D-B8DB-C2F3692CFA5A}" type="datetimeFigureOut">
               <a:rPr lang="en-US" smtClean="0"/>
-              <a:t>11/29/2023</a:t>
+              <a:t>12/12/2023</a:t>
             </a:fld>
             <a:endParaRPr lang="en-US"/>
           </a:p>
@@ -1344,7 +1344,7 @@
           <a:p>
             <a:fld id="{02AC24A9-CCB6-4F8D-B8DB-C2F3692CFA5A}" type="datetimeFigureOut">
               <a:rPr lang="en-US" smtClean="0"/>
-              <a:t>11/29/2023</a:t>
+              <a:t>12/12/2023</a:t>
             </a:fld>
             <a:endParaRPr lang="en-US"/>
           </a:p>
@@ -1798,7 +1798,7 @@
           <a:p>
             <a:fld id="{02AC24A9-CCB6-4F8D-B8DB-C2F3692CFA5A}" type="datetimeFigureOut">
               <a:rPr lang="en-US" smtClean="0"/>
-              <a:t>11/29/2023</a:t>
+              <a:t>12/12/2023</a:t>
             </a:fld>
             <a:endParaRPr lang="en-US"/>
           </a:p>
@@ -2330,7 +2330,7 @@
           <a:p>
             <a:fld id="{02AC24A9-CCB6-4F8D-B8DB-C2F3692CFA5A}" type="datetimeFigureOut">
               <a:rPr lang="en-US" smtClean="0"/>
-              <a:t>11/29/2023</a:t>
+              <a:t>12/12/2023</a:t>
             </a:fld>
             <a:endParaRPr lang="en-US"/>
           </a:p>
@@ -3029,7 +3029,7 @@
           <a:p>
             <a:fld id="{02AC24A9-CCB6-4F8D-B8DB-C2F3692CFA5A}" type="datetimeFigureOut">
               <a:rPr lang="en-US" smtClean="0"/>
-              <a:t>11/29/2023</a:t>
+              <a:t>12/12/2023</a:t>
             </a:fld>
             <a:endParaRPr lang="en-US"/>
           </a:p>
@@ -3358,7 +3358,7 @@
           <a:p>
             <a:fld id="{02AC24A9-CCB6-4F8D-B8DB-C2F3692CFA5A}" type="datetimeFigureOut">
               <a:rPr lang="en-US" smtClean="0"/>
-              <a:t>11/29/2023</a:t>
+              <a:t>12/12/2023</a:t>
             </a:fld>
             <a:endParaRPr lang="en-US"/>
           </a:p>
@@ -3471,7 +3471,7 @@
           <a:p>
             <a:fld id="{02AC24A9-CCB6-4F8D-B8DB-C2F3692CFA5A}" type="datetimeFigureOut">
               <a:rPr lang="en-US" smtClean="0"/>
-              <a:t>11/29/2023</a:t>
+              <a:t>12/12/2023</a:t>
             </a:fld>
             <a:endParaRPr lang="en-US"/>
           </a:p>
@@ -3966,7 +3966,7 @@
           <a:p>
             <a:fld id="{02AC24A9-CCB6-4F8D-B8DB-C2F3692CFA5A}" type="datetimeFigureOut">
               <a:rPr lang="en-US" smtClean="0"/>
-              <a:t>11/29/2023</a:t>
+              <a:t>12/12/2023</a:t>
             </a:fld>
             <a:endParaRPr lang="en-US" dirty="0"/>
           </a:p>
@@ -4443,7 +4443,7 @@
           <a:p>
             <a:fld id="{02AC24A9-CCB6-4F8D-B8DB-C2F3692CFA5A}" type="datetimeFigureOut">
               <a:rPr lang="en-US" smtClean="0"/>
-              <a:t>11/29/2023</a:t>
+              <a:t>12/12/2023</a:t>
             </a:fld>
             <a:endParaRPr lang="en-US"/>
           </a:p>
@@ -4686,7 +4686,7 @@
           <a:p>
             <a:fld id="{02AC24A9-CCB6-4F8D-B8DB-C2F3692CFA5A}" type="datetimeFigureOut">
               <a:rPr lang="en-US" smtClean="0"/>
-              <a:t>11/29/2023</a:t>
+              <a:t>12/12/2023</a:t>
             </a:fld>
             <a:endParaRPr lang="en-US"/>
           </a:p>
